--- a/Feria académica.pptx
+++ b/Feria académica.pptx
@@ -5,10 +5,10 @@
     <p:sldMasterId id="2147483648" r:id="rId1"/>
   </p:sldMasterIdLst>
   <p:notesMasterIdLst>
-    <p:notesMasterId r:id="rId14"/>
+    <p:notesMasterId r:id="rId20"/>
   </p:notesMasterIdLst>
   <p:handoutMasterIdLst>
-    <p:handoutMasterId r:id="rId15"/>
+    <p:handoutMasterId r:id="rId21"/>
   </p:handoutMasterIdLst>
   <p:sldIdLst>
     <p:sldId id="256" r:id="rId2"/>
@@ -23,6 +23,12 @@
     <p:sldId id="266" r:id="rId11"/>
     <p:sldId id="267" r:id="rId12"/>
     <p:sldId id="268" r:id="rId13"/>
+    <p:sldId id="269" r:id="rId14"/>
+    <p:sldId id="270" r:id="rId15"/>
+    <p:sldId id="271" r:id="rId16"/>
+    <p:sldId id="272" r:id="rId17"/>
+    <p:sldId id="273" r:id="rId18"/>
+    <p:sldId id="274" r:id="rId19"/>
   </p:sldIdLst>
   <p:sldSz cx="12192000" cy="6858000"/>
   <p:notesSz cx="6858000" cy="9144000"/>
@@ -3811,17 +3817,19 @@
         </p:nvSpPr>
         <p:spPr>
           <a:xfrm>
-            <a:off x="1774423" y="802299"/>
-            <a:ext cx="8637073" cy="1968894"/>
+            <a:off x="0" y="334108"/>
+            <a:ext cx="12191999" cy="2437085"/>
           </a:xfrm>
         </p:spPr>
         <p:txBody>
-          <a:bodyPr/>
+          <a:bodyPr>
+            <a:normAutofit/>
+          </a:bodyPr>
           <a:lstStyle/>
           <a:p>
             <a:r>
               <a:rPr lang="es-MX" dirty="0"/>
-              <a:t>CIFRADO de texto</a:t>
+              <a:t>CIFRADO y descifrado ALEATORIO</a:t>
             </a:r>
           </a:p>
         </p:txBody>
@@ -3841,7 +3849,7 @@
         <p:spPr>
           <a:xfrm>
             <a:off x="3004457" y="4086808"/>
-            <a:ext cx="6830008" cy="1477328"/>
+            <a:ext cx="6830008" cy="1200329"/>
           </a:xfrm>
           <a:prstGeom prst="rect">
             <a:avLst/>
@@ -3855,13 +3863,7 @@
           <a:lstStyle/>
           <a:p>
             <a:r>
-              <a:rPr lang="es-MX" dirty="0"/>
-              <a:t>Feria académica </a:t>
-            </a:r>
-          </a:p>
-          <a:p>
-            <a:r>
-              <a:rPr lang="es-MX" dirty="0"/>
+              <a:rPr lang="es-MX" b="1" dirty="0"/>
               <a:t>Integrantes:</a:t>
             </a:r>
           </a:p>
@@ -4887,6 +4889,539 @@
 </p:sld>
 </file>
 
+<file path=ppt/slides/slide13.xml><?xml version="1.0" encoding="utf-8"?>
+<p:sld xmlns:a="http://schemas.openxmlformats.org/drawingml/2006/main" xmlns:r="http://schemas.openxmlformats.org/officeDocument/2006/relationships" xmlns:p="http://schemas.openxmlformats.org/presentationml/2006/main">
+  <p:cSld>
+    <p:spTree>
+      <p:nvGrpSpPr>
+        <p:cNvPr id="1" name=""/>
+        <p:cNvGrpSpPr/>
+        <p:nvPr/>
+      </p:nvGrpSpPr>
+      <p:grpSpPr>
+        <a:xfrm>
+          <a:off x="0" y="0"/>
+          <a:ext cx="0" cy="0"/>
+          <a:chOff x="0" y="0"/>
+          <a:chExt cx="0" cy="0"/>
+        </a:xfrm>
+      </p:grpSpPr>
+      <p:pic>
+        <p:nvPicPr>
+          <p:cNvPr id="7" name="Imagen 6">
+            <a:extLst>
+              <a:ext uri="{FF2B5EF4-FFF2-40B4-BE49-F238E27FC236}">
+                <a16:creationId xmlns:a16="http://schemas.microsoft.com/office/drawing/2014/main" id="{C0F12E56-5636-4365-8284-F59E2D1F2F0F}"/>
+              </a:ext>
+            </a:extLst>
+          </p:cNvPr>
+          <p:cNvPicPr>
+            <a:picLocks noChangeAspect="1"/>
+          </p:cNvPicPr>
+          <p:nvPr/>
+        </p:nvPicPr>
+        <p:blipFill>
+          <a:blip r:embed="rId2"/>
+          <a:stretch>
+            <a:fillRect/>
+          </a:stretch>
+        </p:blipFill>
+        <p:spPr>
+          <a:xfrm>
+            <a:off x="1373171" y="0"/>
+            <a:ext cx="9445658" cy="6122520"/>
+          </a:xfrm>
+          <a:prstGeom prst="rect">
+            <a:avLst/>
+          </a:prstGeom>
+        </p:spPr>
+      </p:pic>
+    </p:spTree>
+    <p:extLst>
+      <p:ext uri="{BB962C8B-B14F-4D97-AF65-F5344CB8AC3E}">
+        <p14:creationId xmlns:p14="http://schemas.microsoft.com/office/powerpoint/2010/main" val="3258565171"/>
+      </p:ext>
+    </p:extLst>
+  </p:cSld>
+  <p:clrMapOvr>
+    <a:masterClrMapping/>
+  </p:clrMapOvr>
+  <p:transition spd="slow">
+    <p:push dir="u"/>
+  </p:transition>
+</p:sld>
+</file>
+
+<file path=ppt/slides/slide14.xml><?xml version="1.0" encoding="utf-8"?>
+<p:sld xmlns:a="http://schemas.openxmlformats.org/drawingml/2006/main" xmlns:r="http://schemas.openxmlformats.org/officeDocument/2006/relationships" xmlns:p="http://schemas.openxmlformats.org/presentationml/2006/main">
+  <p:cSld>
+    <p:spTree>
+      <p:nvGrpSpPr>
+        <p:cNvPr id="1" name=""/>
+        <p:cNvGrpSpPr/>
+        <p:nvPr/>
+      </p:nvGrpSpPr>
+      <p:grpSpPr>
+        <a:xfrm>
+          <a:off x="0" y="0"/>
+          <a:ext cx="0" cy="0"/>
+          <a:chOff x="0" y="0"/>
+          <a:chExt cx="0" cy="0"/>
+        </a:xfrm>
+      </p:grpSpPr>
+      <p:pic>
+        <p:nvPicPr>
+          <p:cNvPr id="3" name="Imagen 2">
+            <a:extLst>
+              <a:ext uri="{FF2B5EF4-FFF2-40B4-BE49-F238E27FC236}">
+                <a16:creationId xmlns:a16="http://schemas.microsoft.com/office/drawing/2014/main" id="{678BDAD4-8AA5-408E-8AF4-D72FA25F1A2A}"/>
+              </a:ext>
+            </a:extLst>
+          </p:cNvPr>
+          <p:cNvPicPr>
+            <a:picLocks noChangeAspect="1"/>
+          </p:cNvPicPr>
+          <p:nvPr/>
+        </p:nvPicPr>
+        <p:blipFill>
+          <a:blip r:embed="rId2"/>
+          <a:stretch>
+            <a:fillRect/>
+          </a:stretch>
+        </p:blipFill>
+        <p:spPr>
+          <a:xfrm>
+            <a:off x="2772103" y="0"/>
+            <a:ext cx="6647793" cy="3429000"/>
+          </a:xfrm>
+          <a:prstGeom prst="rect">
+            <a:avLst/>
+          </a:prstGeom>
+        </p:spPr>
+      </p:pic>
+      <p:pic>
+        <p:nvPicPr>
+          <p:cNvPr id="8" name="Imagen 7">
+            <a:extLst>
+              <a:ext uri="{FF2B5EF4-FFF2-40B4-BE49-F238E27FC236}">
+                <a16:creationId xmlns:a16="http://schemas.microsoft.com/office/drawing/2014/main" id="{81AC4744-8AC7-433D-86C2-0527574C5501}"/>
+              </a:ext>
+            </a:extLst>
+          </p:cNvPr>
+          <p:cNvPicPr>
+            <a:picLocks noChangeAspect="1"/>
+          </p:cNvPicPr>
+          <p:nvPr/>
+        </p:nvPicPr>
+        <p:blipFill>
+          <a:blip r:embed="rId3"/>
+          <a:stretch>
+            <a:fillRect/>
+          </a:stretch>
+        </p:blipFill>
+        <p:spPr>
+          <a:xfrm>
+            <a:off x="2749609" y="3429000"/>
+            <a:ext cx="6670287" cy="2594728"/>
+          </a:xfrm>
+          <a:prstGeom prst="rect">
+            <a:avLst/>
+          </a:prstGeom>
+        </p:spPr>
+      </p:pic>
+    </p:spTree>
+    <p:extLst>
+      <p:ext uri="{BB962C8B-B14F-4D97-AF65-F5344CB8AC3E}">
+        <p14:creationId xmlns:p14="http://schemas.microsoft.com/office/powerpoint/2010/main" val="2877806076"/>
+      </p:ext>
+    </p:extLst>
+  </p:cSld>
+  <p:clrMapOvr>
+    <a:masterClrMapping/>
+  </p:clrMapOvr>
+  <p:transition spd="slow">
+    <p:push dir="u"/>
+  </p:transition>
+</p:sld>
+</file>
+
+<file path=ppt/slides/slide15.xml><?xml version="1.0" encoding="utf-8"?>
+<p:sld xmlns:a="http://schemas.openxmlformats.org/drawingml/2006/main" xmlns:r="http://schemas.openxmlformats.org/officeDocument/2006/relationships" xmlns:p="http://schemas.openxmlformats.org/presentationml/2006/main">
+  <p:cSld>
+    <p:spTree>
+      <p:nvGrpSpPr>
+        <p:cNvPr id="1" name=""/>
+        <p:cNvGrpSpPr/>
+        <p:nvPr/>
+      </p:nvGrpSpPr>
+      <p:grpSpPr>
+        <a:xfrm>
+          <a:off x="0" y="0"/>
+          <a:ext cx="0" cy="0"/>
+          <a:chOff x="0" y="0"/>
+          <a:chExt cx="0" cy="0"/>
+        </a:xfrm>
+      </p:grpSpPr>
+      <p:pic>
+        <p:nvPicPr>
+          <p:cNvPr id="3" name="Imagen 2">
+            <a:extLst>
+              <a:ext uri="{FF2B5EF4-FFF2-40B4-BE49-F238E27FC236}">
+                <a16:creationId xmlns:a16="http://schemas.microsoft.com/office/drawing/2014/main" id="{6CB9855D-0B4D-4A05-9EC3-58D7EB5688E8}"/>
+              </a:ext>
+            </a:extLst>
+          </p:cNvPr>
+          <p:cNvPicPr>
+            <a:picLocks noChangeAspect="1"/>
+          </p:cNvPicPr>
+          <p:nvPr/>
+        </p:nvPicPr>
+        <p:blipFill>
+          <a:blip r:embed="rId2"/>
+          <a:stretch>
+            <a:fillRect/>
+          </a:stretch>
+        </p:blipFill>
+        <p:spPr>
+          <a:xfrm>
+            <a:off x="2680394" y="0"/>
+            <a:ext cx="6831211" cy="3429000"/>
+          </a:xfrm>
+          <a:prstGeom prst="rect">
+            <a:avLst/>
+          </a:prstGeom>
+        </p:spPr>
+      </p:pic>
+      <p:pic>
+        <p:nvPicPr>
+          <p:cNvPr id="5" name="Imagen 4">
+            <a:extLst>
+              <a:ext uri="{FF2B5EF4-FFF2-40B4-BE49-F238E27FC236}">
+                <a16:creationId xmlns:a16="http://schemas.microsoft.com/office/drawing/2014/main" id="{800E1D6B-13B0-4BFE-BC5F-2AA223191E70}"/>
+              </a:ext>
+            </a:extLst>
+          </p:cNvPr>
+          <p:cNvPicPr>
+            <a:picLocks noChangeAspect="1"/>
+          </p:cNvPicPr>
+          <p:nvPr/>
+        </p:nvPicPr>
+        <p:blipFill>
+          <a:blip r:embed="rId3"/>
+          <a:stretch>
+            <a:fillRect/>
+          </a:stretch>
+        </p:blipFill>
+        <p:spPr>
+          <a:xfrm>
+            <a:off x="2680394" y="3429000"/>
+            <a:ext cx="6866811" cy="2717276"/>
+          </a:xfrm>
+          <a:prstGeom prst="rect">
+            <a:avLst/>
+          </a:prstGeom>
+        </p:spPr>
+      </p:pic>
+    </p:spTree>
+    <p:extLst>
+      <p:ext uri="{BB962C8B-B14F-4D97-AF65-F5344CB8AC3E}">
+        <p14:creationId xmlns:p14="http://schemas.microsoft.com/office/powerpoint/2010/main" val="2635281523"/>
+      </p:ext>
+    </p:extLst>
+  </p:cSld>
+  <p:clrMapOvr>
+    <a:masterClrMapping/>
+  </p:clrMapOvr>
+  <p:transition spd="slow">
+    <p:push dir="u"/>
+  </p:transition>
+</p:sld>
+</file>
+
+<file path=ppt/slides/slide16.xml><?xml version="1.0" encoding="utf-8"?>
+<p:sld xmlns:a="http://schemas.openxmlformats.org/drawingml/2006/main" xmlns:r="http://schemas.openxmlformats.org/officeDocument/2006/relationships" xmlns:p="http://schemas.openxmlformats.org/presentationml/2006/main">
+  <p:cSld>
+    <p:spTree>
+      <p:nvGrpSpPr>
+        <p:cNvPr id="1" name=""/>
+        <p:cNvGrpSpPr/>
+        <p:nvPr/>
+      </p:nvGrpSpPr>
+      <p:grpSpPr>
+        <a:xfrm>
+          <a:off x="0" y="0"/>
+          <a:ext cx="0" cy="0"/>
+          <a:chOff x="0" y="0"/>
+          <a:chExt cx="0" cy="0"/>
+        </a:xfrm>
+      </p:grpSpPr>
+      <p:pic>
+        <p:nvPicPr>
+          <p:cNvPr id="3" name="Imagen 2">
+            <a:extLst>
+              <a:ext uri="{FF2B5EF4-FFF2-40B4-BE49-F238E27FC236}">
+                <a16:creationId xmlns:a16="http://schemas.microsoft.com/office/drawing/2014/main" id="{1BF31A20-9757-43EE-8443-602D7A6B90B9}"/>
+              </a:ext>
+            </a:extLst>
+          </p:cNvPr>
+          <p:cNvPicPr>
+            <a:picLocks noChangeAspect="1"/>
+          </p:cNvPicPr>
+          <p:nvPr/>
+        </p:nvPicPr>
+        <p:blipFill>
+          <a:blip r:embed="rId2"/>
+          <a:stretch>
+            <a:fillRect/>
+          </a:stretch>
+        </p:blipFill>
+        <p:spPr>
+          <a:xfrm>
+            <a:off x="3349524" y="0"/>
+            <a:ext cx="5492952" cy="3429000"/>
+          </a:xfrm>
+          <a:prstGeom prst="rect">
+            <a:avLst/>
+          </a:prstGeom>
+        </p:spPr>
+      </p:pic>
+      <p:pic>
+        <p:nvPicPr>
+          <p:cNvPr id="5" name="Imagen 4">
+            <a:extLst>
+              <a:ext uri="{FF2B5EF4-FFF2-40B4-BE49-F238E27FC236}">
+                <a16:creationId xmlns:a16="http://schemas.microsoft.com/office/drawing/2014/main" id="{8D8C39E0-D247-4AE2-B8BA-8AAFC027DB11}"/>
+              </a:ext>
+            </a:extLst>
+          </p:cNvPr>
+          <p:cNvPicPr>
+            <a:picLocks noChangeAspect="1"/>
+          </p:cNvPicPr>
+          <p:nvPr/>
+        </p:nvPicPr>
+        <p:blipFill>
+          <a:blip r:embed="rId3"/>
+          <a:stretch>
+            <a:fillRect/>
+          </a:stretch>
+        </p:blipFill>
+        <p:spPr>
+          <a:xfrm>
+            <a:off x="3778510" y="3440839"/>
+            <a:ext cx="4634979" cy="3417161"/>
+          </a:xfrm>
+          <a:prstGeom prst="rect">
+            <a:avLst/>
+          </a:prstGeom>
+        </p:spPr>
+      </p:pic>
+    </p:spTree>
+    <p:extLst>
+      <p:ext uri="{BB962C8B-B14F-4D97-AF65-F5344CB8AC3E}">
+        <p14:creationId xmlns:p14="http://schemas.microsoft.com/office/powerpoint/2010/main" val="255931597"/>
+      </p:ext>
+    </p:extLst>
+  </p:cSld>
+  <p:clrMapOvr>
+    <a:masterClrMapping/>
+  </p:clrMapOvr>
+  <p:transition spd="slow">
+    <p:push dir="u"/>
+  </p:transition>
+</p:sld>
+</file>
+
+<file path=ppt/slides/slide17.xml><?xml version="1.0" encoding="utf-8"?>
+<p:sld xmlns:a="http://schemas.openxmlformats.org/drawingml/2006/main" xmlns:r="http://schemas.openxmlformats.org/officeDocument/2006/relationships" xmlns:p="http://schemas.openxmlformats.org/presentationml/2006/main">
+  <p:cSld>
+    <p:spTree>
+      <p:nvGrpSpPr>
+        <p:cNvPr id="1" name=""/>
+        <p:cNvGrpSpPr/>
+        <p:nvPr/>
+      </p:nvGrpSpPr>
+      <p:grpSpPr>
+        <a:xfrm>
+          <a:off x="0" y="0"/>
+          <a:ext cx="0" cy="0"/>
+          <a:chOff x="0" y="0"/>
+          <a:chExt cx="0" cy="0"/>
+        </a:xfrm>
+      </p:grpSpPr>
+      <p:pic>
+        <p:nvPicPr>
+          <p:cNvPr id="10" name="Imagen 9">
+            <a:extLst>
+              <a:ext uri="{FF2B5EF4-FFF2-40B4-BE49-F238E27FC236}">
+                <a16:creationId xmlns:a16="http://schemas.microsoft.com/office/drawing/2014/main" id="{62533B2D-FE47-4333-BA47-742162E81A04}"/>
+              </a:ext>
+            </a:extLst>
+          </p:cNvPr>
+          <p:cNvPicPr>
+            <a:picLocks noChangeAspect="1"/>
+          </p:cNvPicPr>
+          <p:nvPr/>
+        </p:nvPicPr>
+        <p:blipFill>
+          <a:blip r:embed="rId2"/>
+          <a:stretch>
+            <a:fillRect/>
+          </a:stretch>
+        </p:blipFill>
+        <p:spPr>
+          <a:xfrm>
+            <a:off x="3690937" y="0"/>
+            <a:ext cx="4810125" cy="2447925"/>
+          </a:xfrm>
+          <a:prstGeom prst="rect">
+            <a:avLst/>
+          </a:prstGeom>
+        </p:spPr>
+      </p:pic>
+      <p:pic>
+        <p:nvPicPr>
+          <p:cNvPr id="12" name="Imagen 11">
+            <a:extLst>
+              <a:ext uri="{FF2B5EF4-FFF2-40B4-BE49-F238E27FC236}">
+                <a16:creationId xmlns:a16="http://schemas.microsoft.com/office/drawing/2014/main" id="{B6EB7352-3D19-41C0-95CB-C62949B8EC23}"/>
+              </a:ext>
+            </a:extLst>
+          </p:cNvPr>
+          <p:cNvPicPr>
+            <a:picLocks noChangeAspect="1"/>
+          </p:cNvPicPr>
+          <p:nvPr/>
+        </p:nvPicPr>
+        <p:blipFill>
+          <a:blip r:embed="rId3"/>
+          <a:stretch>
+            <a:fillRect/>
+          </a:stretch>
+        </p:blipFill>
+        <p:spPr>
+          <a:xfrm>
+            <a:off x="3667124" y="2447925"/>
+            <a:ext cx="4857750" cy="2409825"/>
+          </a:xfrm>
+          <a:prstGeom prst="rect">
+            <a:avLst/>
+          </a:prstGeom>
+        </p:spPr>
+      </p:pic>
+      <p:pic>
+        <p:nvPicPr>
+          <p:cNvPr id="14" name="Imagen 13">
+            <a:extLst>
+              <a:ext uri="{FF2B5EF4-FFF2-40B4-BE49-F238E27FC236}">
+                <a16:creationId xmlns:a16="http://schemas.microsoft.com/office/drawing/2014/main" id="{84B66C82-25CD-49F2-9F36-DFE54B6458F4}"/>
+              </a:ext>
+            </a:extLst>
+          </p:cNvPr>
+          <p:cNvPicPr>
+            <a:picLocks noChangeAspect="1"/>
+          </p:cNvPicPr>
+          <p:nvPr/>
+        </p:nvPicPr>
+        <p:blipFill>
+          <a:blip r:embed="rId4"/>
+          <a:stretch>
+            <a:fillRect/>
+          </a:stretch>
+        </p:blipFill>
+        <p:spPr>
+          <a:xfrm>
+            <a:off x="3662361" y="4857750"/>
+            <a:ext cx="4867275" cy="1914525"/>
+          </a:xfrm>
+          <a:prstGeom prst="rect">
+            <a:avLst/>
+          </a:prstGeom>
+        </p:spPr>
+      </p:pic>
+    </p:spTree>
+    <p:extLst>
+      <p:ext uri="{BB962C8B-B14F-4D97-AF65-F5344CB8AC3E}">
+        <p14:creationId xmlns:p14="http://schemas.microsoft.com/office/powerpoint/2010/main" val="244207811"/>
+      </p:ext>
+    </p:extLst>
+  </p:cSld>
+  <p:clrMapOvr>
+    <a:masterClrMapping/>
+  </p:clrMapOvr>
+  <p:transition spd="slow">
+    <p:push dir="u"/>
+  </p:transition>
+</p:sld>
+</file>
+
+<file path=ppt/slides/slide18.xml><?xml version="1.0" encoding="utf-8"?>
+<p:sld xmlns:a="http://schemas.openxmlformats.org/drawingml/2006/main" xmlns:r="http://schemas.openxmlformats.org/officeDocument/2006/relationships" xmlns:p="http://schemas.openxmlformats.org/presentationml/2006/main">
+  <p:cSld>
+    <p:spTree>
+      <p:nvGrpSpPr>
+        <p:cNvPr id="1" name=""/>
+        <p:cNvGrpSpPr/>
+        <p:nvPr/>
+      </p:nvGrpSpPr>
+      <p:grpSpPr>
+        <a:xfrm>
+          <a:off x="0" y="0"/>
+          <a:ext cx="0" cy="0"/>
+          <a:chOff x="0" y="0"/>
+          <a:chExt cx="0" cy="0"/>
+        </a:xfrm>
+      </p:grpSpPr>
+      <p:sp>
+        <p:nvSpPr>
+          <p:cNvPr id="5" name="Título 1">
+            <a:extLst>
+              <a:ext uri="{FF2B5EF4-FFF2-40B4-BE49-F238E27FC236}">
+                <a16:creationId xmlns:a16="http://schemas.microsoft.com/office/drawing/2014/main" id="{D28F7DFE-18B3-4A5B-9648-4C962B1F7301}"/>
+              </a:ext>
+            </a:extLst>
+          </p:cNvPr>
+          <p:cNvSpPr>
+            <a:spLocks noGrp="1"/>
+          </p:cNvSpPr>
+          <p:nvPr>
+            <p:ph type="title"/>
+          </p:nvPr>
+        </p:nvSpPr>
+        <p:spPr>
+          <a:xfrm>
+            <a:off x="1450392" y="2379765"/>
+            <a:ext cx="9291215" cy="1049235"/>
+          </a:xfrm>
+        </p:spPr>
+        <p:txBody>
+          <a:bodyPr>
+            <a:normAutofit fontScale="90000"/>
+          </a:bodyPr>
+          <a:lstStyle/>
+          <a:p>
+            <a:r>
+              <a:rPr lang="es-ES_tradnl" sz="6000" dirty="0"/>
+              <a:t>FIN DE LA PRESENTACIÓN</a:t>
+            </a:r>
+          </a:p>
+        </p:txBody>
+      </p:sp>
+    </p:spTree>
+    <p:extLst>
+      <p:ext uri="{BB962C8B-B14F-4D97-AF65-F5344CB8AC3E}">
+        <p14:creationId xmlns:p14="http://schemas.microsoft.com/office/powerpoint/2010/main" val="1980157437"/>
+      </p:ext>
+    </p:extLst>
+  </p:cSld>
+  <p:clrMapOvr>
+    <a:masterClrMapping/>
+  </p:clrMapOvr>
+  <p:transition spd="slow">
+    <p:push dir="u"/>
+  </p:transition>
+</p:sld>
+</file>
+
 <file path=ppt/slides/slide2.xml><?xml version="1.0" encoding="utf-8"?>
 <p:sld xmlns:a="http://schemas.openxmlformats.org/drawingml/2006/main" xmlns:r="http://schemas.openxmlformats.org/officeDocument/2006/relationships" xmlns:p="http://schemas.openxmlformats.org/presentationml/2006/main">
   <p:cSld>
@@ -5035,13 +5570,13 @@
         <p:spPr/>
         <p:txBody>
           <a:bodyPr>
-            <a:normAutofit/>
+            <a:normAutofit fontScale="90000"/>
           </a:bodyPr>
           <a:lstStyle/>
           <a:p>
             <a:r>
               <a:rPr lang="es-MX" sz="6000" dirty="0"/>
-              <a:t>ANALISIS DEL PROBLEMA </a:t>
+              <a:t>ANÁLISIS DEL PROBLEMA </a:t>
             </a:r>
           </a:p>
         </p:txBody>
@@ -7348,8 +7883,8 @@
           </a:p>
         </p:txBody>
       </p:sp>
-      <mc:AlternateContent xmlns:mc="http://schemas.openxmlformats.org/markup-compatibility/2006">
-        <mc:Choice xmlns:a14="http://schemas.microsoft.com/office/drawing/2010/main" Requires="a14">
+      <mc:AlternateContent xmlns:mc="http://schemas.openxmlformats.org/markup-compatibility/2006" xmlns:a14="http://schemas.microsoft.com/office/drawing/2010/main">
+        <mc:Choice Requires="a14">
           <p:sp>
             <p:nvSpPr>
               <p:cNvPr id="11" name="CuadroTexto 10">
@@ -7553,7 +8088,7 @@
             </p:txBody>
           </p:sp>
         </mc:Choice>
-        <mc:Fallback>
+        <mc:Fallback xmlns="">
           <p:sp>
             <p:nvSpPr>
               <p:cNvPr id="11" name="CuadroTexto 10">
@@ -7603,8 +8138,8 @@
           </p:sp>
         </mc:Fallback>
       </mc:AlternateContent>
-      <mc:AlternateContent xmlns:mc="http://schemas.openxmlformats.org/markup-compatibility/2006">
-        <mc:Choice xmlns:a14="http://schemas.microsoft.com/office/drawing/2010/main" Requires="a14">
+      <mc:AlternateContent xmlns:mc="http://schemas.openxmlformats.org/markup-compatibility/2006" xmlns:a14="http://schemas.microsoft.com/office/drawing/2010/main">
+        <mc:Choice Requires="a14">
           <p:sp>
             <p:nvSpPr>
               <p:cNvPr id="12" name="CuadroTexto 11">
@@ -7784,7 +8319,7 @@
             </p:txBody>
           </p:sp>
         </mc:Choice>
-        <mc:Fallback>
+        <mc:Fallback xmlns="">
           <p:sp>
             <p:nvSpPr>
               <p:cNvPr id="12" name="CuadroTexto 11">
@@ -7848,7 +8383,7 @@
         </p:nvSpPr>
         <p:spPr>
           <a:xfrm>
-            <a:off x="2172435" y="2815827"/>
+            <a:off x="2172434" y="2591687"/>
             <a:ext cx="274027" cy="338554"/>
           </a:xfrm>
           <a:prstGeom prst="rect">
@@ -7873,8 +8408,8 @@
           </a:p>
         </p:txBody>
       </p:sp>
-      <mc:AlternateContent xmlns:mc="http://schemas.openxmlformats.org/markup-compatibility/2006">
-        <mc:Choice xmlns:a14="http://schemas.microsoft.com/office/drawing/2010/main" Requires="a14">
+      <mc:AlternateContent xmlns:mc="http://schemas.openxmlformats.org/markup-compatibility/2006" xmlns:a14="http://schemas.microsoft.com/office/drawing/2010/main">
+        <mc:Choice Requires="a14">
           <p:sp>
             <p:nvSpPr>
               <p:cNvPr id="14" name="CuadroTexto 13">
@@ -8083,7 +8618,7 @@
             </p:txBody>
           </p:sp>
         </mc:Choice>
-        <mc:Fallback>
+        <mc:Fallback xmlns="">
           <p:sp>
             <p:nvSpPr>
               <p:cNvPr id="14" name="CuadroTexto 13">
@@ -8147,7 +8682,7 @@
         </p:nvSpPr>
         <p:spPr>
           <a:xfrm>
-            <a:off x="4731727" y="2822520"/>
+            <a:off x="4747130" y="2588528"/>
             <a:ext cx="274027" cy="338554"/>
           </a:xfrm>
           <a:prstGeom prst="rect">
@@ -8291,8 +8826,8 @@
           </a:p>
         </p:txBody>
       </p:sp>
-      <mc:AlternateContent xmlns:mc="http://schemas.openxmlformats.org/markup-compatibility/2006">
-        <mc:Choice xmlns:a14="http://schemas.microsoft.com/office/drawing/2010/main" Requires="a14">
+      <mc:AlternateContent xmlns:mc="http://schemas.openxmlformats.org/markup-compatibility/2006" xmlns:a14="http://schemas.microsoft.com/office/drawing/2010/main">
+        <mc:Choice Requires="a14">
           <p:sp>
             <p:nvSpPr>
               <p:cNvPr id="17" name="CuadroTexto 16">
@@ -8472,7 +9007,7 @@
             </p:txBody>
           </p:sp>
         </mc:Choice>
-        <mc:Fallback>
+        <mc:Fallback xmlns="">
           <p:sp>
             <p:nvSpPr>
               <p:cNvPr id="17" name="CuadroTexto 16">
@@ -8600,8 +9135,8 @@
           </a:p>
         </p:txBody>
       </p:sp>
-      <mc:AlternateContent xmlns:mc="http://schemas.openxmlformats.org/markup-compatibility/2006">
-        <mc:Choice xmlns:a14="http://schemas.microsoft.com/office/drawing/2010/main" Requires="a14">
+      <mc:AlternateContent xmlns:mc="http://schemas.openxmlformats.org/markup-compatibility/2006" xmlns:a14="http://schemas.microsoft.com/office/drawing/2010/main">
+        <mc:Choice Requires="a14">
           <p:sp>
             <p:nvSpPr>
               <p:cNvPr id="20" name="CuadroTexto 19">
@@ -8805,7 +9340,7 @@
             </p:txBody>
           </p:sp>
         </mc:Choice>
-        <mc:Fallback>
+        <mc:Fallback xmlns="">
           <p:sp>
             <p:nvSpPr>
               <p:cNvPr id="20" name="CuadroTexto 19">

--- a/Feria académica.pptx
+++ b/Feria académica.pptx
@@ -3848,7 +3848,7 @@
         </p:nvSpPr>
         <p:spPr>
           <a:xfrm>
-            <a:off x="3004457" y="4086808"/>
+            <a:off x="2978080" y="3486643"/>
             <a:ext cx="6830008" cy="1200329"/>
           </a:xfrm>
           <a:prstGeom prst="rect">
@@ -5499,7 +5499,7 @@
           <a:p>
             <a:r>
               <a:rPr lang="es-MX" dirty="0"/>
-              <a:t>El programa deberá cifrar mensajes por medio de una clave o llave que se usándola para</a:t>
+              <a:t>El programa deberá cifrar mensajes por medio de una clave o llave que será usada para</a:t>
             </a:r>
             <a:r>
               <a:rPr lang="es-ES" dirty="0"/>
